--- a/Boutique en ligne.pptx
+++ b/Boutique en ligne.pptx
@@ -5,20 +5,18 @@
     <p:sldMasterId id="2147483660" r:id="rId1"/>
   </p:sldMasterIdLst>
   <p:notesMasterIdLst>
-    <p:notesMasterId r:id="rId10"/>
+    <p:notesMasterId r:id="rId8"/>
   </p:notesMasterIdLst>
   <p:handoutMasterIdLst>
-    <p:handoutMasterId r:id="rId11"/>
+    <p:handoutMasterId r:id="rId9"/>
   </p:handoutMasterIdLst>
   <p:sldIdLst>
     <p:sldId id="256" r:id="rId2"/>
     <p:sldId id="257" r:id="rId3"/>
     <p:sldId id="259" r:id="rId4"/>
     <p:sldId id="260" r:id="rId5"/>
-    <p:sldId id="261" r:id="rId6"/>
-    <p:sldId id="262" r:id="rId7"/>
-    <p:sldId id="263" r:id="rId8"/>
-    <p:sldId id="264" r:id="rId9"/>
+    <p:sldId id="262" r:id="rId6"/>
+    <p:sldId id="264" r:id="rId7"/>
   </p:sldIdLst>
   <p:sldSz cx="12192000" cy="6858000"/>
   <p:notesSz cx="6858000" cy="9144000"/>
@@ -6226,7 +6224,7 @@
         <p:spPr>
           <a:xfrm>
             <a:off x="640835" y="2000539"/>
-            <a:ext cx="7345484" cy="2677656"/>
+            <a:ext cx="7345484" cy="1938992"/>
           </a:xfrm>
           <a:prstGeom prst="rect">
             <a:avLst/>
@@ -6265,27 +6263,7 @@
             </a:pPr>
             <a:r>
               <a:rPr lang="fr-FR" sz="2400" dirty="0"/>
-              <a:t>Architecture de l’application</a:t>
-            </a:r>
-          </a:p>
-          <a:p>
-            <a:pPr marL="342900" indent="-342900">
-              <a:buFont typeface="+mj-lt"/>
-              <a:buAutoNum type="arabicPeriod"/>
-            </a:pPr>
-            <a:r>
-              <a:rPr lang="fr-FR" sz="2400" dirty="0"/>
               <a:t>Fonctionnalité principale</a:t>
-            </a:r>
-          </a:p>
-          <a:p>
-            <a:pPr marL="342900" indent="-342900">
-              <a:buFont typeface="+mj-lt"/>
-              <a:buAutoNum type="arabicPeriod"/>
-            </a:pPr>
-            <a:r>
-              <a:rPr lang="fr-FR" sz="2400" dirty="0"/>
-              <a:t>Mesure de sécurité</a:t>
             </a:r>
           </a:p>
           <a:p>
@@ -6575,18 +6553,23 @@
           </a:p>
           <a:p>
             <a:r>
-              <a:rPr lang="fr-FR">
+              <a:rPr lang="fr-FR" dirty="0">
                 <a:solidFill>
                   <a:schemeClr val="tx1"/>
                 </a:solidFill>
               </a:rPr>
               <a:t>GitHub</a:t>
             </a:r>
-            <a:endParaRPr lang="fr-FR" dirty="0">
-              <a:solidFill>
-                <a:schemeClr val="tx1"/>
-              </a:solidFill>
-            </a:endParaRPr>
+          </a:p>
+          <a:p>
+            <a:r>
+              <a:rPr lang="fr-FR" dirty="0">
+                <a:solidFill>
+                  <a:schemeClr val="tx1"/>
+                </a:solidFill>
+              </a:rPr>
+              <a:t>Trello</a:t>
+            </a:r>
           </a:p>
         </p:txBody>
       </p:sp>
@@ -6654,7 +6637,7 @@
           <p:cNvPr id="2" name="Titre 1">
             <a:extLst>
               <a:ext uri="{FF2B5EF4-FFF2-40B4-BE49-F238E27FC236}">
-                <a16:creationId xmlns:a16="http://schemas.microsoft.com/office/drawing/2014/main" id="{62D63F49-647E-BE36-198A-5FF547D2EDEB}"/>
+                <a16:creationId xmlns:a16="http://schemas.microsoft.com/office/drawing/2014/main" id="{9FAFB982-A50D-3764-A23D-BA0FDE296C58}"/>
               </a:ext>
             </a:extLst>
           </p:cNvPr>
@@ -6667,8 +6650,8 @@
         </p:nvSpPr>
         <p:spPr>
           <a:xfrm>
-            <a:off x="684212" y="685800"/>
-            <a:ext cx="8534400" cy="1507067"/>
+            <a:off x="540865" y="595618"/>
+            <a:ext cx="8200463" cy="1264640"/>
           </a:xfrm>
         </p:spPr>
         <p:txBody>
@@ -6677,17 +6660,17 @@
           <a:p>
             <a:r>
               <a:rPr lang="fr-FR" dirty="0"/>
-              <a:t>Architecture de l’application</a:t>
-            </a:r>
-          </a:p>
-        </p:txBody>
-      </p:sp>
-      <p:sp>
-        <p:nvSpPr>
-          <p:cNvPr id="3" name="Espace réservé du contenu 2">
+              <a:t>Fonctionnalités principales</a:t>
+            </a:r>
+          </a:p>
+        </p:txBody>
+      </p:sp>
+      <p:sp>
+        <p:nvSpPr>
+          <p:cNvPr id="5" name="Espace réservé du numéro de diapositive 4">
             <a:extLst>
               <a:ext uri="{FF2B5EF4-FFF2-40B4-BE49-F238E27FC236}">
-                <a16:creationId xmlns:a16="http://schemas.microsoft.com/office/drawing/2014/main" id="{30C2CA49-4EB9-51CB-EDAA-9563C2B0D21E}"/>
+                <a16:creationId xmlns:a16="http://schemas.microsoft.com/office/drawing/2014/main" id="{4D1D18CF-BFF0-5475-B689-4015EB73152F}"/>
               </a:ext>
             </a:extLst>
           </p:cNvPr>
@@ -6695,63 +6678,99 @@
             <a:spLocks noGrp="1"/>
           </p:cNvSpPr>
           <p:nvPr>
-            <p:ph idx="1"/>
+            <p:ph type="sldNum" sz="quarter" idx="12"/>
           </p:nvPr>
         </p:nvSpPr>
         <p:spPr>
           <a:xfrm>
-            <a:off x="684212" y="1963208"/>
-            <a:ext cx="8534400" cy="3615267"/>
+            <a:off x="10522591" y="5620420"/>
+            <a:ext cx="1142245" cy="669925"/>
           </a:xfrm>
         </p:spPr>
         <p:txBody>
           <a:bodyPr/>
           <a:lstStyle/>
           <a:p>
-            <a:pPr marL="0" indent="0">
-              <a:buNone/>
-            </a:pPr>
-            <a:endParaRPr lang="fr-FR" dirty="0">
-              <a:solidFill>
-                <a:schemeClr val="tx1"/>
-              </a:solidFill>
-            </a:endParaRPr>
-          </a:p>
-        </p:txBody>
-      </p:sp>
-      <p:sp>
-        <p:nvSpPr>
-          <p:cNvPr id="5" name="Espace réservé du numéro de diapositive 4">
+            <a:r>
+              <a:rPr lang="fr-FR" dirty="0"/>
+              <a:t>5</a:t>
+            </a:r>
+          </a:p>
+        </p:txBody>
+      </p:sp>
+      <p:sp>
+        <p:nvSpPr>
+          <p:cNvPr id="4" name="ZoneTexte 3">
             <a:extLst>
               <a:ext uri="{FF2B5EF4-FFF2-40B4-BE49-F238E27FC236}">
-                <a16:creationId xmlns:a16="http://schemas.microsoft.com/office/drawing/2014/main" id="{41AD7D67-1213-DBB7-526B-CBD05A2AC59F}"/>
+                <a16:creationId xmlns:a16="http://schemas.microsoft.com/office/drawing/2014/main" id="{A1706269-2FED-DE68-2D43-346F364E5927}"/>
               </a:ext>
             </a:extLst>
           </p:cNvPr>
-          <p:cNvSpPr>
-            <a:spLocks noGrp="1"/>
-          </p:cNvSpPr>
-          <p:nvPr>
-            <p:ph type="sldNum" sz="quarter" idx="12"/>
-          </p:nvPr>
-        </p:nvSpPr>
-        <p:spPr/>
-        <p:txBody>
-          <a:bodyPr/>
-          <a:lstStyle/>
-          <a:p>
-            <a:fld id="{B15AC210-F1E0-4668-9B92-571F6B49C16B}" type="slidenum">
-              <a:rPr lang="fr-FR" smtClean="0"/>
-              <a:t>5</a:t>
-            </a:fld>
-            <a:endParaRPr lang="fr-FR"/>
+          <p:cNvSpPr txBox="1"/>
+          <p:nvPr/>
+        </p:nvSpPr>
+        <p:spPr>
+          <a:xfrm>
+            <a:off x="864065" y="2516697"/>
+            <a:ext cx="8590327" cy="1631216"/>
+          </a:xfrm>
+          <a:prstGeom prst="rect">
+            <a:avLst/>
+          </a:prstGeom>
+          <a:noFill/>
+        </p:spPr>
+        <p:txBody>
+          <a:bodyPr wrap="square" rtlCol="0">
+            <a:spAutoFit/>
+          </a:bodyPr>
+          <a:lstStyle/>
+          <a:p>
+            <a:r>
+              <a:rPr lang="fr-FR" sz="2000" dirty="0"/>
+              <a:t>&lt;</a:t>
+            </a:r>
+            <a:r>
+              <a:rPr lang="fr-FR" sz="2000" dirty="0" err="1"/>
+              <a:t>product-card</a:t>
+            </a:r>
+            <a:r>
+              <a:rPr lang="fr-FR" sz="2000" dirty="0"/>
+              <a:t>&gt; : Image, Nom, Prix, Description, bouton « Acheter»</a:t>
+            </a:r>
+          </a:p>
+          <a:p>
+            <a:endParaRPr lang="fr-FR" sz="2000" dirty="0"/>
+          </a:p>
+          <a:p>
+            <a:r>
+              <a:rPr lang="fr-FR" sz="2000" dirty="0"/>
+              <a:t>&lt;</a:t>
+            </a:r>
+            <a:r>
+              <a:rPr lang="fr-FR" sz="2000" dirty="0" err="1"/>
+              <a:t>progress</a:t>
+            </a:r>
+            <a:r>
+              <a:rPr lang="fr-FR" sz="2000" dirty="0"/>
+              <a:t>-graph&gt; : Met à jour dynamiquement des achats</a:t>
+            </a:r>
+          </a:p>
+          <a:p>
+            <a:endParaRPr lang="fr-FR" sz="2000" dirty="0"/>
+          </a:p>
+          <a:p>
+            <a:r>
+              <a:rPr lang="fr-FR" sz="2000" dirty="0"/>
+              <a:t>Bouton « Acheter » : permet d’acheter un produit</a:t>
+            </a:r>
           </a:p>
         </p:txBody>
       </p:sp>
     </p:spTree>
     <p:extLst>
       <p:ext uri="{BB962C8B-B14F-4D97-AF65-F5344CB8AC3E}">
-        <p14:creationId xmlns:p14="http://schemas.microsoft.com/office/powerpoint/2010/main" val="255259226"/>
+        <p14:creationId xmlns:p14="http://schemas.microsoft.com/office/powerpoint/2010/main" val="3802067945"/>
       </p:ext>
     </p:extLst>
   </p:cSld>
@@ -6783,219 +6802,6 @@
           <p:cNvPr id="2" name="Titre 1">
             <a:extLst>
               <a:ext uri="{FF2B5EF4-FFF2-40B4-BE49-F238E27FC236}">
-                <a16:creationId xmlns:a16="http://schemas.microsoft.com/office/drawing/2014/main" id="{9FAFB982-A50D-3764-A23D-BA0FDE296C58}"/>
-              </a:ext>
-            </a:extLst>
-          </p:cNvPr>
-          <p:cNvSpPr>
-            <a:spLocks noGrp="1"/>
-          </p:cNvSpPr>
-          <p:nvPr>
-            <p:ph type="title"/>
-          </p:nvPr>
-        </p:nvSpPr>
-        <p:spPr>
-          <a:xfrm>
-            <a:off x="540865" y="595618"/>
-            <a:ext cx="8200463" cy="1264640"/>
-          </a:xfrm>
-        </p:spPr>
-        <p:txBody>
-          <a:bodyPr/>
-          <a:lstStyle/>
-          <a:p>
-            <a:r>
-              <a:rPr lang="fr-FR" dirty="0"/>
-              <a:t>Fonctionnalités principales</a:t>
-            </a:r>
-          </a:p>
-        </p:txBody>
-      </p:sp>
-      <p:sp>
-        <p:nvSpPr>
-          <p:cNvPr id="5" name="Espace réservé du numéro de diapositive 4">
-            <a:extLst>
-              <a:ext uri="{FF2B5EF4-FFF2-40B4-BE49-F238E27FC236}">
-                <a16:creationId xmlns:a16="http://schemas.microsoft.com/office/drawing/2014/main" id="{4D1D18CF-BFF0-5475-B689-4015EB73152F}"/>
-              </a:ext>
-            </a:extLst>
-          </p:cNvPr>
-          <p:cNvSpPr>
-            <a:spLocks noGrp="1"/>
-          </p:cNvSpPr>
-          <p:nvPr>
-            <p:ph type="sldNum" sz="quarter" idx="12"/>
-          </p:nvPr>
-        </p:nvSpPr>
-        <p:spPr/>
-        <p:txBody>
-          <a:bodyPr/>
-          <a:lstStyle/>
-          <a:p>
-            <a:r>
-              <a:rPr lang="fr-FR" dirty="0"/>
-              <a:t>6</a:t>
-            </a:r>
-          </a:p>
-        </p:txBody>
-      </p:sp>
-    </p:spTree>
-    <p:extLst>
-      <p:ext uri="{BB962C8B-B14F-4D97-AF65-F5344CB8AC3E}">
-        <p14:creationId xmlns:p14="http://schemas.microsoft.com/office/powerpoint/2010/main" val="3802067945"/>
-      </p:ext>
-    </p:extLst>
-  </p:cSld>
-  <p:clrMapOvr>
-    <a:masterClrMapping/>
-  </p:clrMapOvr>
-</p:sld>
-</file>
-
-<file path=ppt/slides/slide7.xml><?xml version="1.0" encoding="utf-8"?>
-<p:sld xmlns:a="http://schemas.openxmlformats.org/drawingml/2006/main" xmlns:r="http://schemas.openxmlformats.org/officeDocument/2006/relationships" xmlns:p="http://schemas.openxmlformats.org/presentationml/2006/main">
-  <p:cSld>
-    <p:spTree>
-      <p:nvGrpSpPr>
-        <p:cNvPr id="1" name=""/>
-        <p:cNvGrpSpPr/>
-        <p:nvPr/>
-      </p:nvGrpSpPr>
-      <p:grpSpPr>
-        <a:xfrm>
-          <a:off x="0" y="0"/>
-          <a:ext cx="0" cy="0"/>
-          <a:chOff x="0" y="0"/>
-          <a:chExt cx="0" cy="0"/>
-        </a:xfrm>
-      </p:grpSpPr>
-      <p:sp>
-        <p:nvSpPr>
-          <p:cNvPr id="2" name="Titre 1">
-            <a:extLst>
-              <a:ext uri="{FF2B5EF4-FFF2-40B4-BE49-F238E27FC236}">
-                <a16:creationId xmlns:a16="http://schemas.microsoft.com/office/drawing/2014/main" id="{608A7D0F-7C5D-3C48-C188-9E4B2C05392F}"/>
-              </a:ext>
-            </a:extLst>
-          </p:cNvPr>
-          <p:cNvSpPr>
-            <a:spLocks noGrp="1"/>
-          </p:cNvSpPr>
-          <p:nvPr>
-            <p:ph type="title"/>
-          </p:nvPr>
-        </p:nvSpPr>
-        <p:spPr>
-          <a:xfrm>
-            <a:off x="851992" y="368881"/>
-            <a:ext cx="8534400" cy="1507067"/>
-          </a:xfrm>
-        </p:spPr>
-        <p:txBody>
-          <a:bodyPr/>
-          <a:lstStyle/>
-          <a:p>
-            <a:r>
-              <a:rPr lang="fr-FR" dirty="0"/>
-              <a:t>Mesure de sécurité</a:t>
-            </a:r>
-          </a:p>
-        </p:txBody>
-      </p:sp>
-      <p:sp>
-        <p:nvSpPr>
-          <p:cNvPr id="3" name="Espace réservé du contenu 2">
-            <a:extLst>
-              <a:ext uri="{FF2B5EF4-FFF2-40B4-BE49-F238E27FC236}">
-                <a16:creationId xmlns:a16="http://schemas.microsoft.com/office/drawing/2014/main" id="{2E9FB843-A4C4-254F-6C06-91706F4704CC}"/>
-              </a:ext>
-            </a:extLst>
-          </p:cNvPr>
-          <p:cNvSpPr>
-            <a:spLocks noGrp="1"/>
-          </p:cNvSpPr>
-          <p:nvPr>
-            <p:ph idx="1"/>
-          </p:nvPr>
-        </p:nvSpPr>
-        <p:spPr>
-          <a:xfrm>
-            <a:off x="851992" y="2220986"/>
-            <a:ext cx="8534400" cy="3615267"/>
-          </a:xfrm>
-        </p:spPr>
-        <p:txBody>
-          <a:bodyPr/>
-          <a:lstStyle/>
-          <a:p>
-            <a:endParaRPr lang="fr-FR" dirty="0"/>
-          </a:p>
-        </p:txBody>
-      </p:sp>
-      <p:sp>
-        <p:nvSpPr>
-          <p:cNvPr id="4" name="Espace réservé du numéro de diapositive 3">
-            <a:extLst>
-              <a:ext uri="{FF2B5EF4-FFF2-40B4-BE49-F238E27FC236}">
-                <a16:creationId xmlns:a16="http://schemas.microsoft.com/office/drawing/2014/main" id="{3B201519-7144-9C04-5191-5CBB107FCD82}"/>
-              </a:ext>
-            </a:extLst>
-          </p:cNvPr>
-          <p:cNvSpPr>
-            <a:spLocks noGrp="1"/>
-          </p:cNvSpPr>
-          <p:nvPr>
-            <p:ph type="sldNum" sz="quarter" idx="12"/>
-          </p:nvPr>
-        </p:nvSpPr>
-        <p:spPr/>
-        <p:txBody>
-          <a:bodyPr/>
-          <a:lstStyle/>
-          <a:p>
-            <a:fld id="{B15AC210-F1E0-4668-9B92-571F6B49C16B}" type="slidenum">
-              <a:rPr lang="fr-FR" smtClean="0"/>
-              <a:t>7</a:t>
-            </a:fld>
-            <a:endParaRPr lang="fr-FR"/>
-          </a:p>
-        </p:txBody>
-      </p:sp>
-    </p:spTree>
-    <p:extLst>
-      <p:ext uri="{BB962C8B-B14F-4D97-AF65-F5344CB8AC3E}">
-        <p14:creationId xmlns:p14="http://schemas.microsoft.com/office/powerpoint/2010/main" val="4077552909"/>
-      </p:ext>
-    </p:extLst>
-  </p:cSld>
-  <p:clrMapOvr>
-    <a:masterClrMapping/>
-  </p:clrMapOvr>
-</p:sld>
-</file>
-
-<file path=ppt/slides/slide8.xml><?xml version="1.0" encoding="utf-8"?>
-<p:sld xmlns:a="http://schemas.openxmlformats.org/drawingml/2006/main" xmlns:r="http://schemas.openxmlformats.org/officeDocument/2006/relationships" xmlns:p="http://schemas.openxmlformats.org/presentationml/2006/main">
-  <p:cSld>
-    <p:spTree>
-      <p:nvGrpSpPr>
-        <p:cNvPr id="1" name=""/>
-        <p:cNvGrpSpPr/>
-        <p:nvPr/>
-      </p:nvGrpSpPr>
-      <p:grpSpPr>
-        <a:xfrm>
-          <a:off x="0" y="0"/>
-          <a:ext cx="0" cy="0"/>
-          <a:chOff x="0" y="0"/>
-          <a:chExt cx="0" cy="0"/>
-        </a:xfrm>
-      </p:grpSpPr>
-      <p:sp>
-        <p:nvSpPr>
-          <p:cNvPr id="2" name="Titre 1">
-            <a:extLst>
-              <a:ext uri="{FF2B5EF4-FFF2-40B4-BE49-F238E27FC236}">
                 <a16:creationId xmlns:a16="http://schemas.microsoft.com/office/drawing/2014/main" id="{6674C4DF-D264-C9D4-F091-FE2812FA9816}"/>
               </a:ext>
             </a:extLst>
@@ -7042,15 +6848,106 @@
         </p:nvSpPr>
         <p:spPr>
           <a:xfrm>
-            <a:off x="633878" y="2329629"/>
+            <a:off x="633878" y="1942517"/>
             <a:ext cx="8534400" cy="3615267"/>
           </a:xfrm>
         </p:spPr>
         <p:txBody>
-          <a:bodyPr/>
-          <a:lstStyle/>
-          <a:p>
-            <a:endParaRPr lang="fr-FR" dirty="0"/>
+          <a:bodyPr>
+            <a:normAutofit/>
+          </a:bodyPr>
+          <a:lstStyle/>
+          <a:p>
+            <a:pPr marL="0" indent="0">
+              <a:buNone/>
+            </a:pPr>
+            <a:r>
+              <a:rPr lang="fr-FR" sz="1800" dirty="0">
+                <a:solidFill>
+                  <a:schemeClr val="tx1"/>
+                </a:solidFill>
+              </a:rPr>
+              <a:t>Possibilité d’ajout : </a:t>
+            </a:r>
+          </a:p>
+          <a:p>
+            <a:pPr>
+              <a:buFont typeface="Arial" panose="020B0604020202020204" pitchFamily="34" charset="0"/>
+              <a:buChar char="•"/>
+            </a:pPr>
+            <a:r>
+              <a:rPr lang="fr-FR" sz="1800" dirty="0">
+                <a:solidFill>
+                  <a:schemeClr val="tx1"/>
+                </a:solidFill>
+              </a:rPr>
+              <a:t>Ajout d’un panier complet</a:t>
+            </a:r>
+          </a:p>
+          <a:p>
+            <a:pPr>
+              <a:buFont typeface="Arial" panose="020B0604020202020204" pitchFamily="34" charset="0"/>
+              <a:buChar char="•"/>
+            </a:pPr>
+            <a:r>
+              <a:rPr lang="fr-FR" sz="1800" dirty="0">
+                <a:solidFill>
+                  <a:schemeClr val="tx1"/>
+                </a:solidFill>
+              </a:rPr>
+              <a:t>rajouter des articles</a:t>
+            </a:r>
+          </a:p>
+          <a:p>
+            <a:pPr marL="0" indent="0">
+              <a:buNone/>
+            </a:pPr>
+            <a:endParaRPr lang="fr-FR" sz="1800" dirty="0">
+              <a:solidFill>
+                <a:schemeClr val="tx1"/>
+              </a:solidFill>
+            </a:endParaRPr>
+          </a:p>
+          <a:p>
+            <a:pPr marL="0" indent="0">
+              <a:buNone/>
+            </a:pPr>
+            <a:r>
+              <a:rPr lang="fr-FR" sz="1800" dirty="0">
+                <a:solidFill>
+                  <a:schemeClr val="tx1"/>
+                </a:solidFill>
+              </a:rPr>
+              <a:t>Piste d’amélioration :</a:t>
+            </a:r>
+          </a:p>
+          <a:p>
+            <a:pPr>
+              <a:buFont typeface="Arial" panose="020B0604020202020204" pitchFamily="34" charset="0"/>
+              <a:buChar char="•"/>
+            </a:pPr>
+            <a:r>
+              <a:rPr lang="fr-FR" sz="1800" dirty="0">
+                <a:solidFill>
+                  <a:schemeClr val="tx1"/>
+                </a:solidFill>
+              </a:rPr>
+              <a:t>Amélioré le rendu du site</a:t>
+            </a:r>
+          </a:p>
+          <a:p>
+            <a:pPr>
+              <a:buFont typeface="Arial" panose="020B0604020202020204" pitchFamily="34" charset="0"/>
+              <a:buChar char="•"/>
+            </a:pPr>
+            <a:r>
+              <a:rPr lang="fr-FR" sz="1800" dirty="0">
+                <a:solidFill>
+                  <a:schemeClr val="tx1"/>
+                </a:solidFill>
+              </a:rPr>
+              <a:t>Propreté du code</a:t>
+            </a:r>
           </a:p>
         </p:txBody>
       </p:sp>
@@ -7075,11 +6972,10 @@
           <a:bodyPr/>
           <a:lstStyle/>
           <a:p>
-            <a:fld id="{B15AC210-F1E0-4668-9B92-571F6B49C16B}" type="slidenum">
-              <a:rPr lang="fr-FR" smtClean="0"/>
-              <a:t>8</a:t>
-            </a:fld>
-            <a:endParaRPr lang="fr-FR"/>
+            <a:r>
+              <a:rPr lang="fr-FR" dirty="0"/>
+              <a:t>6</a:t>
+            </a:r>
           </a:p>
         </p:txBody>
       </p:sp>

--- a/Boutique en ligne.pptx
+++ b/Boutique en ligne.pptx
@@ -217,7 +217,7 @@
           <a:p>
             <a:fld id="{DCCABBDD-1572-483B-B6A4-AFAB2F9E396D}" type="datetimeFigureOut">
               <a:rPr lang="fr-FR" smtClean="0"/>
-              <a:t>05/06/2025</a:t>
+              <a:t>06/06/2025</a:t>
             </a:fld>
             <a:endParaRPr lang="fr-FR"/>
           </a:p>
@@ -395,7 +395,7 @@
           <a:p>
             <a:fld id="{D47DF9B9-511B-4B81-BC25-F302D4024052}" type="datetimeFigureOut">
               <a:rPr lang="fr-FR" smtClean="0"/>
-              <a:t>05/06/2025</a:t>
+              <a:t>06/06/2025</a:t>
             </a:fld>
             <a:endParaRPr lang="fr-FR"/>
           </a:p>
@@ -854,7 +854,7 @@
           <a:p>
             <a:fld id="{202DF449-9DE6-43F9-B34D-26ADDC804A65}" type="datetime1">
               <a:rPr lang="fr-FR" smtClean="0"/>
-              <a:t>05/06/2025</a:t>
+              <a:t>06/06/2025</a:t>
             </a:fld>
             <a:endParaRPr lang="fr-FR"/>
           </a:p>
@@ -1290,7 +1290,7 @@
           <a:p>
             <a:fld id="{AF37F363-CE04-4CD5-90E1-400B7BC20D74}" type="datetime1">
               <a:rPr lang="fr-FR" smtClean="0"/>
-              <a:t>05/06/2025</a:t>
+              <a:t>06/06/2025</a:t>
             </a:fld>
             <a:endParaRPr lang="fr-FR"/>
           </a:p>
@@ -1541,7 +1541,7 @@
           <a:p>
             <a:fld id="{AF37F363-CE04-4CD5-90E1-400B7BC20D74}" type="datetime1">
               <a:rPr lang="fr-FR" smtClean="0"/>
-              <a:t>05/06/2025</a:t>
+              <a:t>06/06/2025</a:t>
             </a:fld>
             <a:endParaRPr lang="fr-FR"/>
           </a:p>
@@ -1850,7 +1850,7 @@
           <a:p>
             <a:fld id="{AF37F363-CE04-4CD5-90E1-400B7BC20D74}" type="datetime1">
               <a:rPr lang="fr-FR" smtClean="0"/>
-              <a:t>05/06/2025</a:t>
+              <a:t>06/06/2025</a:t>
             </a:fld>
             <a:endParaRPr lang="fr-FR"/>
           </a:p>
@@ -2169,7 +2169,7 @@
           <a:p>
             <a:fld id="{AF37F363-CE04-4CD5-90E1-400B7BC20D74}" type="datetime1">
               <a:rPr lang="fr-FR" smtClean="0"/>
-              <a:t>05/06/2025</a:t>
+              <a:t>06/06/2025</a:t>
             </a:fld>
             <a:endParaRPr lang="fr-FR"/>
           </a:p>
@@ -2472,7 +2472,7 @@
           <a:p>
             <a:fld id="{AF37F363-CE04-4CD5-90E1-400B7BC20D74}" type="datetime1">
               <a:rPr lang="fr-FR" smtClean="0"/>
-              <a:t>05/06/2025</a:t>
+              <a:t>06/06/2025</a:t>
             </a:fld>
             <a:endParaRPr lang="fr-FR"/>
           </a:p>
@@ -2840,7 +2840,7 @@
           <a:p>
             <a:fld id="{AF37F363-CE04-4CD5-90E1-400B7BC20D74}" type="datetime1">
               <a:rPr lang="fr-FR" smtClean="0"/>
-              <a:t>05/06/2025</a:t>
+              <a:t>06/06/2025</a:t>
             </a:fld>
             <a:endParaRPr lang="fr-FR"/>
           </a:p>
@@ -3015,7 +3015,7 @@
           <a:p>
             <a:fld id="{06691DFD-6822-4592-969F-B70CDC5E98A7}" type="datetime1">
               <a:rPr lang="fr-FR" smtClean="0"/>
-              <a:t>05/06/2025</a:t>
+              <a:t>06/06/2025</a:t>
             </a:fld>
             <a:endParaRPr lang="fr-FR"/>
           </a:p>
@@ -3195,7 +3195,7 @@
           <a:p>
             <a:fld id="{E45AA8EE-4657-45FB-B0DF-38CD5415F1ED}" type="datetime1">
               <a:rPr lang="fr-FR" smtClean="0"/>
-              <a:t>05/06/2025</a:t>
+              <a:t>06/06/2025</a:t>
             </a:fld>
             <a:endParaRPr lang="fr-FR"/>
           </a:p>
@@ -3365,7 +3365,7 @@
           <a:p>
             <a:fld id="{4577B739-22D7-4DD3-8779-4D3F5BA1C91B}" type="datetime1">
               <a:rPr lang="fr-FR" smtClean="0"/>
-              <a:t>05/06/2025</a:t>
+              <a:t>06/06/2025</a:t>
             </a:fld>
             <a:endParaRPr lang="fr-FR"/>
           </a:p>
@@ -3615,7 +3615,7 @@
           <a:p>
             <a:fld id="{D20B71FE-3114-4C96-8ED3-001EC0A160FE}" type="datetime1">
               <a:rPr lang="fr-FR" smtClean="0"/>
-              <a:t>05/06/2025</a:t>
+              <a:t>06/06/2025</a:t>
             </a:fld>
             <a:endParaRPr lang="fr-FR"/>
           </a:p>
@@ -3851,7 +3851,7 @@
           <a:p>
             <a:fld id="{3444AC83-45B9-470F-8AA3-5683AF053F7A}" type="datetime1">
               <a:rPr lang="fr-FR" smtClean="0"/>
-              <a:t>05/06/2025</a:t>
+              <a:t>06/06/2025</a:t>
             </a:fld>
             <a:endParaRPr lang="fr-FR"/>
           </a:p>
@@ -4233,7 +4233,7 @@
           <a:p>
             <a:fld id="{321F0A46-7302-4F5D-9F17-4CFC41F24915}" type="datetime1">
               <a:rPr lang="fr-FR" smtClean="0"/>
-              <a:t>05/06/2025</a:t>
+              <a:t>06/06/2025</a:t>
             </a:fld>
             <a:endParaRPr lang="fr-FR"/>
           </a:p>
@@ -4351,7 +4351,7 @@
           <a:p>
             <a:fld id="{8B5A8CD6-4104-4708-8368-4F14234BDCAD}" type="datetime1">
               <a:rPr lang="fr-FR" smtClean="0"/>
-              <a:t>05/06/2025</a:t>
+              <a:t>06/06/2025</a:t>
             </a:fld>
             <a:endParaRPr lang="fr-FR"/>
           </a:p>
@@ -4446,7 +4446,7 @@
           <a:p>
             <a:fld id="{27CFDB54-5056-4059-863E-861227CEFA1C}" type="datetime1">
               <a:rPr lang="fr-FR" smtClean="0"/>
-              <a:t>05/06/2025</a:t>
+              <a:t>06/06/2025</a:t>
             </a:fld>
             <a:endParaRPr lang="fr-FR"/>
           </a:p>
@@ -4701,7 +4701,7 @@
           <a:p>
             <a:fld id="{E1A852F7-5C6A-4572-85A3-B2FA41EE0755}" type="datetime1">
               <a:rPr lang="fr-FR" smtClean="0"/>
-              <a:t>05/06/2025</a:t>
+              <a:t>06/06/2025</a:t>
             </a:fld>
             <a:endParaRPr lang="fr-FR"/>
           </a:p>
@@ -4984,7 +4984,7 @@
           <a:p>
             <a:fld id="{78C2FC84-6F35-4D5E-A1B1-F424D9E7F578}" type="datetime1">
               <a:rPr lang="fr-FR" smtClean="0"/>
-              <a:t>05/06/2025</a:t>
+              <a:t>06/06/2025</a:t>
             </a:fld>
             <a:endParaRPr lang="fr-FR"/>
           </a:p>
@@ -5390,7 +5390,7 @@
           <a:p>
             <a:fld id="{AF37F363-CE04-4CD5-90E1-400B7BC20D74}" type="datetime1">
               <a:rPr lang="fr-FR" smtClean="0"/>
-              <a:t>05/06/2025</a:t>
+              <a:t>06/06/2025</a:t>
             </a:fld>
             <a:endParaRPr lang="fr-FR"/>
           </a:p>
@@ -6553,23 +6553,18 @@
           </a:p>
           <a:p>
             <a:r>
-              <a:rPr lang="fr-FR" dirty="0">
+              <a:rPr lang="fr-FR" smtClean="0">
                 <a:solidFill>
                   <a:schemeClr val="tx1"/>
                 </a:solidFill>
               </a:rPr>
               <a:t>GitHub</a:t>
             </a:r>
-          </a:p>
-          <a:p>
-            <a:r>
-              <a:rPr lang="fr-FR" dirty="0">
-                <a:solidFill>
-                  <a:schemeClr val="tx1"/>
-                </a:solidFill>
-              </a:rPr>
-              <a:t>Trello</a:t>
-            </a:r>
+            <a:endParaRPr lang="fr-FR" dirty="0">
+              <a:solidFill>
+                <a:schemeClr val="tx1"/>
+              </a:solidFill>
+            </a:endParaRPr>
           </a:p>
         </p:txBody>
       </p:sp>
@@ -6946,8 +6941,43 @@
                   <a:schemeClr val="tx1"/>
                 </a:solidFill>
               </a:rPr>
-              <a:t>Propreté du code</a:t>
-            </a:r>
+              <a:t>Propreté du </a:t>
+            </a:r>
+            <a:r>
+              <a:rPr lang="fr-FR" sz="1800" dirty="0" smtClean="0">
+                <a:solidFill>
+                  <a:schemeClr val="tx1"/>
+                </a:solidFill>
+              </a:rPr>
+              <a:t>code</a:t>
+            </a:r>
+          </a:p>
+          <a:p>
+            <a:pPr>
+              <a:buFont typeface="Arial" panose="020B0604020202020204" pitchFamily="34" charset="0"/>
+              <a:buChar char="•"/>
+            </a:pPr>
+            <a:r>
+              <a:rPr lang="fr-FR" sz="1800" dirty="0" smtClean="0">
+                <a:solidFill>
+                  <a:schemeClr val="tx1"/>
+                </a:solidFill>
+              </a:rPr>
+              <a:t>Ajout de la librairie Lit </a:t>
+            </a:r>
+            <a:r>
+              <a:rPr lang="fr-FR" sz="1800" smtClean="0">
+                <a:solidFill>
+                  <a:schemeClr val="tx1"/>
+                </a:solidFill>
+              </a:rPr>
+              <a:t>ou Stencil</a:t>
+            </a:r>
+            <a:endParaRPr lang="fr-FR" sz="1800" dirty="0">
+              <a:solidFill>
+                <a:schemeClr val="tx1"/>
+              </a:solidFill>
+            </a:endParaRPr>
           </a:p>
         </p:txBody>
       </p:sp>
